--- a/images/charts.pptx
+++ b/images/charts.pptx
@@ -4,9 +4,11 @@
   <p:sldMasterIdLst>
     <p:sldMasterId id="2147483648" r:id="rId1"/>
   </p:sldMasterIdLst>
+  <p:notesMasterIdLst>
+    <p:notesMasterId r:id="rId3"/>
+  </p:notesMasterIdLst>
   <p:sldIdLst>
-    <p:sldId id="256" r:id="rId2"/>
-    <p:sldId id="257" r:id="rId3"/>
+    <p:sldId id="257" r:id="rId2"/>
   </p:sldIdLst>
   <p:sldSz cx="12192000" cy="6858000"/>
   <p:notesSz cx="6858000" cy="9144000"/>
@@ -105,7 +107,477 @@
       </a:defRPr>
     </a:lvl9pPr>
   </p:defaultTextStyle>
+  <p:extLst>
+    <p:ext uri="{EFAFB233-063F-42B5-8137-9DF3F51BA10A}">
+      <p15:sldGuideLst xmlns:p15="http://schemas.microsoft.com/office/powerpoint/2012/main"/>
+    </p:ext>
+  </p:extLst>
 </p:presentation>
+</file>
+
+<file path=ppt/notesMasters/notesMaster1.xml><?xml version="1.0" encoding="utf-8"?>
+<p:notesMaster xmlns:a="http://schemas.openxmlformats.org/drawingml/2006/main" xmlns:r="http://schemas.openxmlformats.org/officeDocument/2006/relationships" xmlns:p="http://schemas.openxmlformats.org/presentationml/2006/main">
+  <p:cSld>
+    <p:bg>
+      <p:bgRef idx="1001">
+        <a:schemeClr val="bg1"/>
+      </p:bgRef>
+    </p:bg>
+    <p:spTree>
+      <p:nvGrpSpPr>
+        <p:cNvPr id="1" name=""/>
+        <p:cNvGrpSpPr/>
+        <p:nvPr/>
+      </p:nvGrpSpPr>
+      <p:grpSpPr>
+        <a:xfrm>
+          <a:off x="0" y="0"/>
+          <a:ext cx="0" cy="0"/>
+          <a:chOff x="0" y="0"/>
+          <a:chExt cx="0" cy="0"/>
+        </a:xfrm>
+      </p:grpSpPr>
+      <p:sp>
+        <p:nvSpPr>
+          <p:cNvPr id="2" name="ヘッダー プレースホルダー 1"/>
+          <p:cNvSpPr>
+            <a:spLocks noGrp="1"/>
+          </p:cNvSpPr>
+          <p:nvPr>
+            <p:ph type="hdr" sz="quarter"/>
+          </p:nvPr>
+        </p:nvSpPr>
+        <p:spPr>
+          <a:xfrm>
+            <a:off x="0" y="0"/>
+            <a:ext cx="2971800" cy="458788"/>
+          </a:xfrm>
+          <a:prstGeom prst="rect">
+            <a:avLst/>
+          </a:prstGeom>
+        </p:spPr>
+        <p:txBody>
+          <a:bodyPr vert="horz" lIns="91440" tIns="45720" rIns="91440" bIns="45720" rtlCol="0"/>
+          <a:lstStyle>
+            <a:lvl1pPr algn="l">
+              <a:defRPr sz="1200"/>
+            </a:lvl1pPr>
+          </a:lstStyle>
+          <a:p>
+            <a:endParaRPr kumimoji="1" lang="ja-JP" altLang="en-US"/>
+          </a:p>
+        </p:txBody>
+      </p:sp>
+      <p:sp>
+        <p:nvSpPr>
+          <p:cNvPr id="3" name="日付プレースホルダー 2"/>
+          <p:cNvSpPr>
+            <a:spLocks noGrp="1"/>
+          </p:cNvSpPr>
+          <p:nvPr>
+            <p:ph type="dt" idx="1"/>
+          </p:nvPr>
+        </p:nvSpPr>
+        <p:spPr>
+          <a:xfrm>
+            <a:off x="3884613" y="0"/>
+            <a:ext cx="2971800" cy="458788"/>
+          </a:xfrm>
+          <a:prstGeom prst="rect">
+            <a:avLst/>
+          </a:prstGeom>
+        </p:spPr>
+        <p:txBody>
+          <a:bodyPr vert="horz" lIns="91440" tIns="45720" rIns="91440" bIns="45720" rtlCol="0"/>
+          <a:lstStyle>
+            <a:lvl1pPr algn="r">
+              <a:defRPr sz="1200"/>
+            </a:lvl1pPr>
+          </a:lstStyle>
+          <a:p>
+            <a:fld id="{BC5BE014-65FF-4341-A8A8-A73DB23B07D5}" type="datetimeFigureOut">
+              <a:rPr kumimoji="1" lang="ja-JP" altLang="en-US" smtClean="0"/>
+              <a:t>2021/11/11</a:t>
+            </a:fld>
+            <a:endParaRPr kumimoji="1" lang="ja-JP" altLang="en-US"/>
+          </a:p>
+        </p:txBody>
+      </p:sp>
+      <p:sp>
+        <p:nvSpPr>
+          <p:cNvPr id="4" name="スライド イメージ プレースホルダー 3"/>
+          <p:cNvSpPr>
+            <a:spLocks noGrp="1" noRot="1" noChangeAspect="1"/>
+          </p:cNvSpPr>
+          <p:nvPr>
+            <p:ph type="sldImg" idx="2"/>
+          </p:nvPr>
+        </p:nvSpPr>
+        <p:spPr>
+          <a:xfrm>
+            <a:off x="685800" y="1143000"/>
+            <a:ext cx="5486400" cy="3086100"/>
+          </a:xfrm>
+          <a:prstGeom prst="rect">
+            <a:avLst/>
+          </a:prstGeom>
+          <a:noFill/>
+          <a:ln w="12700">
+            <a:solidFill>
+              <a:prstClr val="black"/>
+            </a:solidFill>
+          </a:ln>
+        </p:spPr>
+        <p:txBody>
+          <a:bodyPr vert="horz" lIns="91440" tIns="45720" rIns="91440" bIns="45720" rtlCol="0" anchor="ctr"/>
+          <a:lstStyle/>
+          <a:p>
+            <a:endParaRPr lang="ja-JP" altLang="en-US"/>
+          </a:p>
+        </p:txBody>
+      </p:sp>
+      <p:sp>
+        <p:nvSpPr>
+          <p:cNvPr id="5" name="ノート プレースホルダー 4"/>
+          <p:cNvSpPr>
+            <a:spLocks noGrp="1"/>
+          </p:cNvSpPr>
+          <p:nvPr>
+            <p:ph type="body" sz="quarter" idx="3"/>
+          </p:nvPr>
+        </p:nvSpPr>
+        <p:spPr>
+          <a:xfrm>
+            <a:off x="685800" y="4400550"/>
+            <a:ext cx="5486400" cy="3600450"/>
+          </a:xfrm>
+          <a:prstGeom prst="rect">
+            <a:avLst/>
+          </a:prstGeom>
+        </p:spPr>
+        <p:txBody>
+          <a:bodyPr vert="horz" lIns="91440" tIns="45720" rIns="91440" bIns="45720" rtlCol="0"/>
+          <a:lstStyle/>
+          <a:p>
+            <a:pPr lvl="0"/>
+            <a:r>
+              <a:rPr kumimoji="1" lang="ja-JP" altLang="en-US"/>
+              <a:t>マスター テキストの書式設定</a:t>
+            </a:r>
+          </a:p>
+          <a:p>
+            <a:pPr lvl="1"/>
+            <a:r>
+              <a:rPr kumimoji="1" lang="ja-JP" altLang="en-US"/>
+              <a:t>第 </a:t>
+            </a:r>
+            <a:r>
+              <a:rPr kumimoji="1" lang="en-US" altLang="ja-JP"/>
+              <a:t>2 </a:t>
+            </a:r>
+            <a:r>
+              <a:rPr kumimoji="1" lang="ja-JP" altLang="en-US"/>
+              <a:t>レベル</a:t>
+            </a:r>
+          </a:p>
+          <a:p>
+            <a:pPr lvl="2"/>
+            <a:r>
+              <a:rPr kumimoji="1" lang="ja-JP" altLang="en-US"/>
+              <a:t>第 </a:t>
+            </a:r>
+            <a:r>
+              <a:rPr kumimoji="1" lang="en-US" altLang="ja-JP"/>
+              <a:t>3 </a:t>
+            </a:r>
+            <a:r>
+              <a:rPr kumimoji="1" lang="ja-JP" altLang="en-US"/>
+              <a:t>レベル</a:t>
+            </a:r>
+          </a:p>
+          <a:p>
+            <a:pPr lvl="3"/>
+            <a:r>
+              <a:rPr kumimoji="1" lang="ja-JP" altLang="en-US"/>
+              <a:t>第 </a:t>
+            </a:r>
+            <a:r>
+              <a:rPr kumimoji="1" lang="en-US" altLang="ja-JP"/>
+              <a:t>4 </a:t>
+            </a:r>
+            <a:r>
+              <a:rPr kumimoji="1" lang="ja-JP" altLang="en-US"/>
+              <a:t>レベル</a:t>
+            </a:r>
+          </a:p>
+          <a:p>
+            <a:pPr lvl="4"/>
+            <a:r>
+              <a:rPr kumimoji="1" lang="ja-JP" altLang="en-US"/>
+              <a:t>第 </a:t>
+            </a:r>
+            <a:r>
+              <a:rPr kumimoji="1" lang="en-US" altLang="ja-JP"/>
+              <a:t>5 </a:t>
+            </a:r>
+            <a:r>
+              <a:rPr kumimoji="1" lang="ja-JP" altLang="en-US"/>
+              <a:t>レベル</a:t>
+            </a:r>
+          </a:p>
+        </p:txBody>
+      </p:sp>
+      <p:sp>
+        <p:nvSpPr>
+          <p:cNvPr id="6" name="フッター プレースホルダー 5"/>
+          <p:cNvSpPr>
+            <a:spLocks noGrp="1"/>
+          </p:cNvSpPr>
+          <p:nvPr>
+            <p:ph type="ftr" sz="quarter" idx="4"/>
+          </p:nvPr>
+        </p:nvSpPr>
+        <p:spPr>
+          <a:xfrm>
+            <a:off x="0" y="8685213"/>
+            <a:ext cx="2971800" cy="458787"/>
+          </a:xfrm>
+          <a:prstGeom prst="rect">
+            <a:avLst/>
+          </a:prstGeom>
+        </p:spPr>
+        <p:txBody>
+          <a:bodyPr vert="horz" lIns="91440" tIns="45720" rIns="91440" bIns="45720" rtlCol="0" anchor="b"/>
+          <a:lstStyle>
+            <a:lvl1pPr algn="l">
+              <a:defRPr sz="1200"/>
+            </a:lvl1pPr>
+          </a:lstStyle>
+          <a:p>
+            <a:endParaRPr kumimoji="1" lang="ja-JP" altLang="en-US"/>
+          </a:p>
+        </p:txBody>
+      </p:sp>
+      <p:sp>
+        <p:nvSpPr>
+          <p:cNvPr id="7" name="スライド番号プレースホルダー 6"/>
+          <p:cNvSpPr>
+            <a:spLocks noGrp="1"/>
+          </p:cNvSpPr>
+          <p:nvPr>
+            <p:ph type="sldNum" sz="quarter" idx="5"/>
+          </p:nvPr>
+        </p:nvSpPr>
+        <p:spPr>
+          <a:xfrm>
+            <a:off x="3884613" y="8685213"/>
+            <a:ext cx="2971800" cy="458787"/>
+          </a:xfrm>
+          <a:prstGeom prst="rect">
+            <a:avLst/>
+          </a:prstGeom>
+        </p:spPr>
+        <p:txBody>
+          <a:bodyPr vert="horz" lIns="91440" tIns="45720" rIns="91440" bIns="45720" rtlCol="0" anchor="b"/>
+          <a:lstStyle>
+            <a:lvl1pPr algn="r">
+              <a:defRPr sz="1200"/>
+            </a:lvl1pPr>
+          </a:lstStyle>
+          <a:p>
+            <a:fld id="{B7935C18-8DBB-D14B-94E8-FC3A80358B17}" type="slidenum">
+              <a:rPr kumimoji="1" lang="ja-JP" altLang="en-US" smtClean="0"/>
+              <a:t>‹#›</a:t>
+            </a:fld>
+            <a:endParaRPr kumimoji="1" lang="ja-JP" altLang="en-US"/>
+          </a:p>
+        </p:txBody>
+      </p:sp>
+    </p:spTree>
+    <p:extLst>
+      <p:ext uri="{BB962C8B-B14F-4D97-AF65-F5344CB8AC3E}">
+        <p14:creationId xmlns:p14="http://schemas.microsoft.com/office/powerpoint/2010/main" val="270403304"/>
+      </p:ext>
+    </p:extLst>
+  </p:cSld>
+  <p:clrMap bg1="lt1" tx1="dk1" bg2="lt2" tx2="dk2" accent1="accent1" accent2="accent2" accent3="accent3" accent4="accent4" accent5="accent5" accent6="accent6" hlink="hlink" folHlink="folHlink"/>
+  <p:notesStyle>
+    <a:lvl1pPr marL="0" algn="l" defTabSz="914400" rtl="0" eaLnBrk="1" latinLnBrk="0" hangingPunct="1">
+      <a:defRPr kumimoji="1" sz="1200" kern="1200">
+        <a:solidFill>
+          <a:schemeClr val="tx1"/>
+        </a:solidFill>
+        <a:latin typeface="+mn-lt"/>
+        <a:ea typeface="+mn-ea"/>
+        <a:cs typeface="+mn-cs"/>
+      </a:defRPr>
+    </a:lvl1pPr>
+    <a:lvl2pPr marL="457200" algn="l" defTabSz="914400" rtl="0" eaLnBrk="1" latinLnBrk="0" hangingPunct="1">
+      <a:defRPr kumimoji="1" sz="1200" kern="1200">
+        <a:solidFill>
+          <a:schemeClr val="tx1"/>
+        </a:solidFill>
+        <a:latin typeface="+mn-lt"/>
+        <a:ea typeface="+mn-ea"/>
+        <a:cs typeface="+mn-cs"/>
+      </a:defRPr>
+    </a:lvl2pPr>
+    <a:lvl3pPr marL="914400" algn="l" defTabSz="914400" rtl="0" eaLnBrk="1" latinLnBrk="0" hangingPunct="1">
+      <a:defRPr kumimoji="1" sz="1200" kern="1200">
+        <a:solidFill>
+          <a:schemeClr val="tx1"/>
+        </a:solidFill>
+        <a:latin typeface="+mn-lt"/>
+        <a:ea typeface="+mn-ea"/>
+        <a:cs typeface="+mn-cs"/>
+      </a:defRPr>
+    </a:lvl3pPr>
+    <a:lvl4pPr marL="1371600" algn="l" defTabSz="914400" rtl="0" eaLnBrk="1" latinLnBrk="0" hangingPunct="1">
+      <a:defRPr kumimoji="1" sz="1200" kern="1200">
+        <a:solidFill>
+          <a:schemeClr val="tx1"/>
+        </a:solidFill>
+        <a:latin typeface="+mn-lt"/>
+        <a:ea typeface="+mn-ea"/>
+        <a:cs typeface="+mn-cs"/>
+      </a:defRPr>
+    </a:lvl4pPr>
+    <a:lvl5pPr marL="1828800" algn="l" defTabSz="914400" rtl="0" eaLnBrk="1" latinLnBrk="0" hangingPunct="1">
+      <a:defRPr kumimoji="1" sz="1200" kern="1200">
+        <a:solidFill>
+          <a:schemeClr val="tx1"/>
+        </a:solidFill>
+        <a:latin typeface="+mn-lt"/>
+        <a:ea typeface="+mn-ea"/>
+        <a:cs typeface="+mn-cs"/>
+      </a:defRPr>
+    </a:lvl5pPr>
+    <a:lvl6pPr marL="2286000" algn="l" defTabSz="914400" rtl="0" eaLnBrk="1" latinLnBrk="0" hangingPunct="1">
+      <a:defRPr kumimoji="1" sz="1200" kern="1200">
+        <a:solidFill>
+          <a:schemeClr val="tx1"/>
+        </a:solidFill>
+        <a:latin typeface="+mn-lt"/>
+        <a:ea typeface="+mn-ea"/>
+        <a:cs typeface="+mn-cs"/>
+      </a:defRPr>
+    </a:lvl6pPr>
+    <a:lvl7pPr marL="2743200" algn="l" defTabSz="914400" rtl="0" eaLnBrk="1" latinLnBrk="0" hangingPunct="1">
+      <a:defRPr kumimoji="1" sz="1200" kern="1200">
+        <a:solidFill>
+          <a:schemeClr val="tx1"/>
+        </a:solidFill>
+        <a:latin typeface="+mn-lt"/>
+        <a:ea typeface="+mn-ea"/>
+        <a:cs typeface="+mn-cs"/>
+      </a:defRPr>
+    </a:lvl7pPr>
+    <a:lvl8pPr marL="3200400" algn="l" defTabSz="914400" rtl="0" eaLnBrk="1" latinLnBrk="0" hangingPunct="1">
+      <a:defRPr kumimoji="1" sz="1200" kern="1200">
+        <a:solidFill>
+          <a:schemeClr val="tx1"/>
+        </a:solidFill>
+        <a:latin typeface="+mn-lt"/>
+        <a:ea typeface="+mn-ea"/>
+        <a:cs typeface="+mn-cs"/>
+      </a:defRPr>
+    </a:lvl8pPr>
+    <a:lvl9pPr marL="3657600" algn="l" defTabSz="914400" rtl="0" eaLnBrk="1" latinLnBrk="0" hangingPunct="1">
+      <a:defRPr kumimoji="1" sz="1200" kern="1200">
+        <a:solidFill>
+          <a:schemeClr val="tx1"/>
+        </a:solidFill>
+        <a:latin typeface="+mn-lt"/>
+        <a:ea typeface="+mn-ea"/>
+        <a:cs typeface="+mn-cs"/>
+      </a:defRPr>
+    </a:lvl9pPr>
+  </p:notesStyle>
+</p:notesMaster>
+</file>
+
+<file path=ppt/notesSlides/notesSlide1.xml><?xml version="1.0" encoding="utf-8"?>
+<p:notes xmlns:a="http://schemas.openxmlformats.org/drawingml/2006/main" xmlns:r="http://schemas.openxmlformats.org/officeDocument/2006/relationships" xmlns:p="http://schemas.openxmlformats.org/presentationml/2006/main">
+  <p:cSld>
+    <p:spTree>
+      <p:nvGrpSpPr>
+        <p:cNvPr id="1" name=""/>
+        <p:cNvGrpSpPr/>
+        <p:nvPr/>
+      </p:nvGrpSpPr>
+      <p:grpSpPr>
+        <a:xfrm>
+          <a:off x="0" y="0"/>
+          <a:ext cx="0" cy="0"/>
+          <a:chOff x="0" y="0"/>
+          <a:chExt cx="0" cy="0"/>
+        </a:xfrm>
+      </p:grpSpPr>
+      <p:sp>
+        <p:nvSpPr>
+          <p:cNvPr id="2" name="スライド イメージ プレースホルダー 1"/>
+          <p:cNvSpPr>
+            <a:spLocks noGrp="1" noRot="1" noChangeAspect="1"/>
+          </p:cNvSpPr>
+          <p:nvPr>
+            <p:ph type="sldImg"/>
+          </p:nvPr>
+        </p:nvSpPr>
+        <p:spPr/>
+      </p:sp>
+      <p:sp>
+        <p:nvSpPr>
+          <p:cNvPr id="3" name="ノート プレースホルダー 2"/>
+          <p:cNvSpPr>
+            <a:spLocks noGrp="1"/>
+          </p:cNvSpPr>
+          <p:nvPr>
+            <p:ph type="body" idx="1"/>
+          </p:nvPr>
+        </p:nvSpPr>
+        <p:spPr/>
+        <p:txBody>
+          <a:bodyPr/>
+          <a:lstStyle/>
+          <a:p>
+            <a:endParaRPr kumimoji="1" lang="ja-JP" altLang="en-US"/>
+          </a:p>
+        </p:txBody>
+      </p:sp>
+      <p:sp>
+        <p:nvSpPr>
+          <p:cNvPr id="4" name="スライド番号プレースホルダー 3"/>
+          <p:cNvSpPr>
+            <a:spLocks noGrp="1"/>
+          </p:cNvSpPr>
+          <p:nvPr>
+            <p:ph type="sldNum" sz="quarter" idx="5"/>
+          </p:nvPr>
+        </p:nvSpPr>
+        <p:spPr/>
+        <p:txBody>
+          <a:bodyPr/>
+          <a:lstStyle/>
+          <a:p>
+            <a:fld id="{B7935C18-8DBB-D14B-94E8-FC3A80358B17}" type="slidenum">
+              <a:rPr kumimoji="1" lang="ja-JP" altLang="en-US" smtClean="0"/>
+              <a:t>1</a:t>
+            </a:fld>
+            <a:endParaRPr kumimoji="1" lang="ja-JP" altLang="en-US"/>
+          </a:p>
+        </p:txBody>
+      </p:sp>
+    </p:spTree>
+    <p:extLst>
+      <p:ext uri="{BB962C8B-B14F-4D97-AF65-F5344CB8AC3E}">
+        <p14:creationId xmlns:p14="http://schemas.microsoft.com/office/powerpoint/2010/main" val="632346274"/>
+      </p:ext>
+    </p:extLst>
+  </p:cSld>
+  <p:clrMapOvr>
+    <a:masterClrMapping/>
+  </p:clrMapOvr>
+</p:notes>
 </file>
 
 <file path=ppt/slideLayouts/slideLayout1.xml><?xml version="1.0" encoding="utf-8"?>
@@ -255,7 +727,7 @@
           <a:p>
             <a:fld id="{AE8B3DA6-8039-4752-BF3E-F7EDCCF07696}" type="datetimeFigureOut">
               <a:rPr kumimoji="1" lang="ja-JP" altLang="en-US" smtClean="0"/>
-              <a:t>2021/11/7</a:t>
+              <a:t>2021/11/11</a:t>
             </a:fld>
             <a:endParaRPr kumimoji="1" lang="ja-JP" altLang="en-US"/>
           </a:p>
@@ -485,7 +957,7 @@
           <a:p>
             <a:fld id="{AE8B3DA6-8039-4752-BF3E-F7EDCCF07696}" type="datetimeFigureOut">
               <a:rPr kumimoji="1" lang="ja-JP" altLang="en-US" smtClean="0"/>
-              <a:t>2021/11/7</a:t>
+              <a:t>2021/11/11</a:t>
             </a:fld>
             <a:endParaRPr kumimoji="1" lang="ja-JP" altLang="en-US"/>
           </a:p>
@@ -725,7 +1197,7 @@
           <a:p>
             <a:fld id="{AE8B3DA6-8039-4752-BF3E-F7EDCCF07696}" type="datetimeFigureOut">
               <a:rPr kumimoji="1" lang="ja-JP" altLang="en-US" smtClean="0"/>
-              <a:t>2021/11/7</a:t>
+              <a:t>2021/11/11</a:t>
             </a:fld>
             <a:endParaRPr kumimoji="1" lang="ja-JP" altLang="en-US"/>
           </a:p>
@@ -955,7 +1427,7 @@
           <a:p>
             <a:fld id="{AE8B3DA6-8039-4752-BF3E-F7EDCCF07696}" type="datetimeFigureOut">
               <a:rPr kumimoji="1" lang="ja-JP" altLang="en-US" smtClean="0"/>
-              <a:t>2021/11/7</a:t>
+              <a:t>2021/11/11</a:t>
             </a:fld>
             <a:endParaRPr kumimoji="1" lang="ja-JP" altLang="en-US"/>
           </a:p>
@@ -1230,7 +1702,7 @@
           <a:p>
             <a:fld id="{AE8B3DA6-8039-4752-BF3E-F7EDCCF07696}" type="datetimeFigureOut">
               <a:rPr kumimoji="1" lang="ja-JP" altLang="en-US" smtClean="0"/>
-              <a:t>2021/11/7</a:t>
+              <a:t>2021/11/11</a:t>
             </a:fld>
             <a:endParaRPr kumimoji="1" lang="ja-JP" altLang="en-US"/>
           </a:p>
@@ -1559,7 +2031,7 @@
           <a:p>
             <a:fld id="{AE8B3DA6-8039-4752-BF3E-F7EDCCF07696}" type="datetimeFigureOut">
               <a:rPr kumimoji="1" lang="ja-JP" altLang="en-US" smtClean="0"/>
-              <a:t>2021/11/7</a:t>
+              <a:t>2021/11/11</a:t>
             </a:fld>
             <a:endParaRPr kumimoji="1" lang="ja-JP" altLang="en-US"/>
           </a:p>
@@ -2035,7 +2507,7 @@
           <a:p>
             <a:fld id="{AE8B3DA6-8039-4752-BF3E-F7EDCCF07696}" type="datetimeFigureOut">
               <a:rPr kumimoji="1" lang="ja-JP" altLang="en-US" smtClean="0"/>
-              <a:t>2021/11/7</a:t>
+              <a:t>2021/11/11</a:t>
             </a:fld>
             <a:endParaRPr kumimoji="1" lang="ja-JP" altLang="en-US"/>
           </a:p>
@@ -2176,7 +2648,7 @@
           <a:p>
             <a:fld id="{AE8B3DA6-8039-4752-BF3E-F7EDCCF07696}" type="datetimeFigureOut">
               <a:rPr kumimoji="1" lang="ja-JP" altLang="en-US" smtClean="0"/>
-              <a:t>2021/11/7</a:t>
+              <a:t>2021/11/11</a:t>
             </a:fld>
             <a:endParaRPr kumimoji="1" lang="ja-JP" altLang="en-US"/>
           </a:p>
@@ -2289,7 +2761,7 @@
           <a:p>
             <a:fld id="{AE8B3DA6-8039-4752-BF3E-F7EDCCF07696}" type="datetimeFigureOut">
               <a:rPr kumimoji="1" lang="ja-JP" altLang="en-US" smtClean="0"/>
-              <a:t>2021/11/7</a:t>
+              <a:t>2021/11/11</a:t>
             </a:fld>
             <a:endParaRPr kumimoji="1" lang="ja-JP" altLang="en-US"/>
           </a:p>
@@ -2632,7 +3104,7 @@
           <a:p>
             <a:fld id="{AE8B3DA6-8039-4752-BF3E-F7EDCCF07696}" type="datetimeFigureOut">
               <a:rPr kumimoji="1" lang="ja-JP" altLang="en-US" smtClean="0"/>
-              <a:t>2021/11/7</a:t>
+              <a:t>2021/11/11</a:t>
             </a:fld>
             <a:endParaRPr kumimoji="1" lang="ja-JP" altLang="en-US"/>
           </a:p>
@@ -2920,7 +3392,7 @@
           <a:p>
             <a:fld id="{AE8B3DA6-8039-4752-BF3E-F7EDCCF07696}" type="datetimeFigureOut">
               <a:rPr kumimoji="1" lang="ja-JP" altLang="en-US" smtClean="0"/>
-              <a:t>2021/11/7</a:t>
+              <a:t>2021/11/11</a:t>
             </a:fld>
             <a:endParaRPr kumimoji="1" lang="ja-JP" altLang="en-US"/>
           </a:p>
@@ -3193,7 +3665,7 @@
           <a:p>
             <a:fld id="{AE8B3DA6-8039-4752-BF3E-F7EDCCF07696}" type="datetimeFigureOut">
               <a:rPr kumimoji="1" lang="ja-JP" altLang="en-US" smtClean="0"/>
-              <a:t>2021/11/7</a:t>
+              <a:t>2021/11/11</a:t>
             </a:fld>
             <a:endParaRPr kumimoji="1" lang="ja-JP" altLang="en-US"/>
           </a:p>
@@ -3612,10 +4084,10 @@
       </p:grpSpPr>
       <p:pic>
         <p:nvPicPr>
-          <p:cNvPr id="7" name="図 6" descr="レゴで作ったロボット&#10;&#10;中程度の精度で自動的に生成された説明">
-            <a:extLst>
-              <a:ext uri="{FF2B5EF4-FFF2-40B4-BE49-F238E27FC236}">
-                <a16:creationId xmlns:a16="http://schemas.microsoft.com/office/drawing/2014/main" id="{9CD80940-2658-4CC4-9EB0-E75E07037F54}"/>
+          <p:cNvPr id="3" name="図 2" descr="トラック, レゴ, おもちゃ, 雪 が含まれている画像&#10;&#10;自動的に生成された説明">
+            <a:extLst>
+              <a:ext uri="{FF2B5EF4-FFF2-40B4-BE49-F238E27FC236}">
+                <a16:creationId xmlns:a16="http://schemas.microsoft.com/office/drawing/2014/main" id="{CB756775-F7C0-2248-B698-A3BD383A761E}"/>
               </a:ext>
             </a:extLst>
           </p:cNvPr>
@@ -3624,103 +4096,27 @@
           </p:cNvPicPr>
           <p:nvPr/>
         </p:nvPicPr>
-        <p:blipFill>
-          <a:blip r:embed="rId2">
+        <p:blipFill rotWithShape="1">
+          <a:blip r:embed="rId3">
             <a:extLst>
               <a:ext uri="{28A0092B-C50C-407E-A947-70E740481C1C}">
                 <a14:useLocalDpi xmlns:a14="http://schemas.microsoft.com/office/drawing/2010/main" val="0"/>
               </a:ext>
             </a:extLst>
           </a:blip>
-          <a:stretch>
-            <a:fillRect/>
-          </a:stretch>
+          <a:srcRect t="4266"/>
+          <a:stretch/>
         </p:blipFill>
         <p:spPr>
           <a:xfrm>
-            <a:off x="3140059" y="852742"/>
-            <a:ext cx="5911880" cy="5152516"/>
+            <a:off x="3538271" y="1115736"/>
+            <a:ext cx="5152403" cy="4624295"/>
           </a:xfrm>
           <a:prstGeom prst="rect">
             <a:avLst/>
           </a:prstGeom>
         </p:spPr>
       </p:pic>
-    </p:spTree>
-    <p:extLst>
-      <p:ext uri="{BB962C8B-B14F-4D97-AF65-F5344CB8AC3E}">
-        <p14:creationId xmlns:p14="http://schemas.microsoft.com/office/powerpoint/2010/main" val="1335031218"/>
-      </p:ext>
-    </p:extLst>
-  </p:cSld>
-  <p:clrMapOvr>
-    <a:masterClrMapping/>
-  </p:clrMapOvr>
-</p:sld>
-</file>
-
-<file path=ppt/slides/slide2.xml><?xml version="1.0" encoding="utf-8"?>
-<p:sld xmlns:a="http://schemas.openxmlformats.org/drawingml/2006/main" xmlns:r="http://schemas.openxmlformats.org/officeDocument/2006/relationships" xmlns:p="http://schemas.openxmlformats.org/presentationml/2006/main">
-  <p:cSld>
-    <p:spTree>
-      <p:nvGrpSpPr>
-        <p:cNvPr id="1" name=""/>
-        <p:cNvGrpSpPr/>
-        <p:nvPr/>
-      </p:nvGrpSpPr>
-      <p:grpSpPr>
-        <a:xfrm>
-          <a:off x="0" y="0"/>
-          <a:ext cx="0" cy="0"/>
-          <a:chOff x="0" y="0"/>
-          <a:chExt cx="0" cy="0"/>
-        </a:xfrm>
-      </p:grpSpPr>
-      <p:pic>
-        <p:nvPicPr>
-          <p:cNvPr id="28" name="Picture 2" descr="Z:\Projects\etrobo-new-training\AOTS-インドネシア\images\2017-10-29 23.15.11.jpg">
-            <a:extLst>
-              <a:ext uri="{FF2B5EF4-FFF2-40B4-BE49-F238E27FC236}">
-                <a16:creationId xmlns:a16="http://schemas.microsoft.com/office/drawing/2014/main" id="{CF377E08-4E6C-4B46-828B-14537CC32AFF}"/>
-              </a:ext>
-            </a:extLst>
-          </p:cNvPr>
-          <p:cNvPicPr>
-            <a:picLocks noChangeAspect="1" noChangeArrowheads="1"/>
-          </p:cNvPicPr>
-          <p:nvPr/>
-        </p:nvPicPr>
-        <p:blipFill rotWithShape="1">
-          <a:blip r:embed="rId2">
-            <a:extLst>
-              <a:ext uri="{28A0092B-C50C-407E-A947-70E740481C1C}">
-                <a14:useLocalDpi xmlns:a14="http://schemas.microsoft.com/office/drawing/2010/main" val="0"/>
-              </a:ext>
-            </a:extLst>
-          </a:blip>
-          <a:srcRect r="30926"/>
-          <a:stretch/>
-        </p:blipFill>
-        <p:spPr bwMode="auto">
-          <a:xfrm>
-            <a:off x="3591587" y="841010"/>
-            <a:ext cx="5069746" cy="5044877"/>
-          </a:xfrm>
-          <a:prstGeom prst="rect">
-            <a:avLst/>
-          </a:prstGeom>
-          <a:noFill/>
-          <a:extLst>
-            <a:ext uri="{909E8E84-426E-40DD-AFC4-6F175D3DCCD1}">
-              <a14:hiddenFill xmlns:a14="http://schemas.microsoft.com/office/drawing/2010/main">
-                <a:solidFill>
-                  <a:srgbClr val="FFFFFF"/>
-                </a:solidFill>
-              </a14:hiddenFill>
-            </a:ext>
-          </a:extLst>
-        </p:spPr>
-      </p:pic>
       <p:sp>
         <p:nvSpPr>
           <p:cNvPr id="29" name="Oval 8">
@@ -3737,7 +4133,7 @@
         </p:nvSpPr>
         <p:spPr bwMode="auto">
           <a:xfrm rot="2841194">
-            <a:off x="5482315" y="3653065"/>
+            <a:off x="4676847" y="1396462"/>
             <a:ext cx="1428042" cy="874822"/>
           </a:xfrm>
           <a:prstGeom prst="ellipse">
@@ -3804,9 +4200,9 @@
           <p:nvPr/>
         </p:nvSpPr>
         <p:spPr bwMode="auto">
-          <a:xfrm>
-            <a:off x="4377960" y="2329270"/>
-            <a:ext cx="1368152" cy="1193979"/>
+          <a:xfrm flipV="1">
+            <a:off x="3814671" y="3128705"/>
+            <a:ext cx="323665" cy="14563"/>
           </a:xfrm>
           <a:prstGeom prst="line">
             <a:avLst/>
@@ -3871,7 +4267,7 @@
         </p:nvSpPr>
         <p:spPr bwMode="auto">
           <a:xfrm>
-            <a:off x="346086" y="1905669"/>
+            <a:off x="255623" y="1288215"/>
             <a:ext cx="3877985" cy="830997"/>
           </a:xfrm>
           <a:prstGeom prst="rect">
@@ -3895,20 +4291,7 @@
           <a:p>
             <a:pPr algn="ctr"/>
             <a:r>
-              <a:rPr lang="ja-JP" altLang="en-US" sz="2400" dirty="0">
-                <a:solidFill>
-                  <a:schemeClr val="tx1">
-                    <a:lumMod val="65000"/>
-                    <a:lumOff val="35000"/>
-                  </a:schemeClr>
-                </a:solidFill>
-                <a:latin typeface="+mn-lt"/>
-                <a:ea typeface="+mn-ea"/>
-              </a:rPr>
-              <a:t>ブロック</a:t>
-            </a:r>
-            <a:r>
-              <a:rPr lang="ja-JP" altLang="en-US" sz="2400" dirty="0">
+              <a:rPr lang="ja-JP" altLang="en-US" sz="2400">
                 <a:solidFill>
                   <a:schemeClr val="tx1">
                     <a:lumMod val="65000"/>
@@ -3916,10 +4299,10 @@
                   </a:schemeClr>
                 </a:solidFill>
               </a:rPr>
-              <a:t>（障害物）</a:t>
-            </a:r>
-            <a:r>
-              <a:rPr lang="ja-JP" altLang="en-US" sz="2400" dirty="0">
+              <a:t>側壁</a:t>
+            </a:r>
+            <a:r>
+              <a:rPr lang="ja-JP" altLang="en-US" sz="2400">
                 <a:solidFill>
                   <a:schemeClr val="tx1">
                     <a:lumMod val="65000"/>
@@ -3975,7 +4358,7 @@
         </p:nvSpPr>
         <p:spPr bwMode="auto">
           <a:xfrm>
-            <a:off x="197614" y="2947949"/>
+            <a:off x="179052" y="4253934"/>
             <a:ext cx="3877985" cy="830997"/>
           </a:xfrm>
           <a:prstGeom prst="rect">
@@ -4067,7 +4450,7 @@
         </p:nvSpPr>
         <p:spPr bwMode="auto">
           <a:xfrm rot="20331960">
-            <a:off x="4659187" y="3195262"/>
+            <a:off x="4658239" y="3572379"/>
             <a:ext cx="889223" cy="1267810"/>
           </a:xfrm>
           <a:prstGeom prst="ellipse">
@@ -4135,7 +4518,7 @@
         </p:nvSpPr>
         <p:spPr bwMode="auto">
           <a:xfrm>
-            <a:off x="192198" y="832382"/>
+            <a:off x="187063" y="2696741"/>
             <a:ext cx="3574292" cy="830997"/>
           </a:xfrm>
           <a:prstGeom prst="rect">
@@ -4252,9 +4635,9 @@
           <p:nvPr/>
         </p:nvSpPr>
         <p:spPr bwMode="auto">
-          <a:xfrm>
-            <a:off x="4070184" y="3405990"/>
-            <a:ext cx="589003" cy="152899"/>
+          <a:xfrm flipV="1">
+            <a:off x="4003721" y="4080493"/>
+            <a:ext cx="590645" cy="565925"/>
           </a:xfrm>
           <a:prstGeom prst="line">
             <a:avLst/>
@@ -4318,9 +4701,9 @@
           <p:nvPr/>
         </p:nvSpPr>
         <p:spPr bwMode="auto">
-          <a:xfrm rot="20391974">
-            <a:off x="3557416" y="3948546"/>
-            <a:ext cx="1036366" cy="1787554"/>
+          <a:xfrm rot="21447244">
+            <a:off x="7060033" y="3743300"/>
+            <a:ext cx="1036366" cy="1398628"/>
           </a:xfrm>
           <a:prstGeom prst="ellipse">
             <a:avLst/>
@@ -4387,8 +4770,8 @@
         </p:nvSpPr>
         <p:spPr bwMode="auto">
           <a:xfrm>
-            <a:off x="192198" y="5075945"/>
-            <a:ext cx="2810385" cy="830997"/>
+            <a:off x="8138810" y="2819337"/>
+            <a:ext cx="3877985" cy="830997"/>
           </a:xfrm>
           <a:prstGeom prst="rect">
             <a:avLst/>
@@ -4411,6 +4794,69 @@
           <a:p>
             <a:pPr algn="ctr"/>
             <a:r>
+              <a:rPr lang="ja-JP" altLang="en-US" sz="2400">
+                <a:solidFill>
+                  <a:schemeClr val="tx1">
+                    <a:lumMod val="65000"/>
+                    <a:lumOff val="35000"/>
+                  </a:schemeClr>
+                </a:solidFill>
+                <a:latin typeface="+mn-lt"/>
+                <a:ea typeface="+mn-ea"/>
+              </a:rPr>
+              <a:t>マーカー監視部</a:t>
+            </a:r>
+            <a:endParaRPr lang="ja-JP" altLang="en-US" sz="2400" dirty="0">
+              <a:solidFill>
+                <a:schemeClr val="tx1">
+                  <a:lumMod val="65000"/>
+                  <a:lumOff val="35000"/>
+                </a:schemeClr>
+              </a:solidFill>
+              <a:latin typeface="+mn-lt"/>
+              <a:ea typeface="+mn-ea"/>
+            </a:endParaRPr>
+          </a:p>
+          <a:p>
+            <a:pPr algn="ctr"/>
+            <a:r>
+              <a:rPr lang="ja-JP" altLang="en-US" sz="2400">
+                <a:solidFill>
+                  <a:schemeClr val="tx1">
+                    <a:lumMod val="65000"/>
+                    <a:lumOff val="35000"/>
+                  </a:schemeClr>
+                </a:solidFill>
+                <a:latin typeface="+mn-lt"/>
+                <a:ea typeface="+mn-ea"/>
+              </a:rPr>
+              <a:t>（</a:t>
+            </a:r>
+            <a:r>
+              <a:rPr lang="ja-JP" altLang="en-US" sz="2400">
+                <a:solidFill>
+                  <a:schemeClr val="tx1">
+                    <a:lumMod val="65000"/>
+                    <a:lumOff val="35000"/>
+                  </a:schemeClr>
+                </a:solidFill>
+              </a:rPr>
+              <a:t>カラーセンサー</a:t>
+            </a:r>
+            <a:r>
+              <a:rPr lang="ja-JP" altLang="en-US" sz="2400">
+                <a:solidFill>
+                  <a:schemeClr val="tx1">
+                    <a:lumMod val="65000"/>
+                    <a:lumOff val="35000"/>
+                  </a:schemeClr>
+                </a:solidFill>
+                <a:latin typeface="+mn-lt"/>
+                <a:ea typeface="+mn-ea"/>
+              </a:rPr>
+              <a:t>を</a:t>
+            </a:r>
+            <a:r>
               <a:rPr lang="ja-JP" altLang="en-US" sz="2400" dirty="0">
                 <a:solidFill>
                   <a:schemeClr val="tx1">
@@ -4421,49 +4867,7 @@
                 <a:latin typeface="+mn-lt"/>
                 <a:ea typeface="+mn-ea"/>
               </a:rPr>
-              <a:t>ホルダーアーム</a:t>
-            </a:r>
-          </a:p>
-          <a:p>
-            <a:pPr algn="ctr"/>
-            <a:r>
-              <a:rPr lang="ja-JP" altLang="en-US" sz="2400" dirty="0">
-                <a:solidFill>
-                  <a:schemeClr val="tx1">
-                    <a:lumMod val="65000"/>
-                    <a:lumOff val="35000"/>
-                  </a:schemeClr>
-                </a:solidFill>
-                <a:latin typeface="+mn-lt"/>
-                <a:ea typeface="+mn-ea"/>
-              </a:rPr>
-              <a:t>（</a:t>
-            </a:r>
-            <a:r>
-              <a:rPr lang="en-US" altLang="ja-JP" sz="2400" dirty="0">
-                <a:solidFill>
-                  <a:schemeClr val="tx1">
-                    <a:lumMod val="65000"/>
-                    <a:lumOff val="35000"/>
-                  </a:schemeClr>
-                </a:solidFill>
-                <a:latin typeface="+mn-lt"/>
-                <a:ea typeface="+mn-ea"/>
-              </a:rPr>
-              <a:t>M</a:t>
-            </a:r>
-            <a:r>
-              <a:rPr lang="ja-JP" altLang="en-US" sz="2400" dirty="0">
-                <a:solidFill>
-                  <a:schemeClr val="tx1">
-                    <a:lumMod val="65000"/>
-                    <a:lumOff val="35000"/>
-                  </a:schemeClr>
-                </a:solidFill>
-                <a:latin typeface="+mn-lt"/>
-                <a:ea typeface="+mn-ea"/>
-              </a:rPr>
-              <a:t>モータを使用）</a:t>
+              <a:t>使用）</a:t>
             </a:r>
           </a:p>
         </p:txBody>
@@ -4484,8 +4888,8 @@
         </p:nvSpPr>
         <p:spPr bwMode="auto">
           <a:xfrm flipV="1">
-            <a:off x="3002583" y="5145756"/>
-            <a:ext cx="619293" cy="360038"/>
+            <a:off x="8053665" y="3650334"/>
+            <a:ext cx="1565339" cy="538094"/>
           </a:xfrm>
           <a:prstGeom prst="line">
             <a:avLst/>
@@ -4549,9 +4953,9 @@
           <p:nvPr/>
         </p:nvSpPr>
         <p:spPr bwMode="auto">
-          <a:xfrm>
-            <a:off x="3782669" y="1236344"/>
-            <a:ext cx="1963443" cy="938547"/>
+          <a:xfrm flipV="1">
+            <a:off x="4133609" y="1454811"/>
+            <a:ext cx="693828" cy="314224"/>
           </a:xfrm>
           <a:prstGeom prst="line">
             <a:avLst/>
@@ -4614,8 +5018,8 @@
         </p:nvSpPr>
         <p:spPr>
           <a:xfrm>
-            <a:off x="7681708" y="1454811"/>
-            <a:ext cx="338459" cy="317891"/>
+            <a:off x="6792686" y="1454811"/>
+            <a:ext cx="1227481" cy="1493138"/>
           </a:xfrm>
           <a:prstGeom prst="ellipse">
             <a:avLst/>
@@ -4659,65 +5063,6 @@
           </a:p>
         </p:txBody>
       </p:sp>
-      <p:sp>
-        <p:nvSpPr>
-          <p:cNvPr id="9" name="楕円 8">
-            <a:extLst>
-              <a:ext uri="{FF2B5EF4-FFF2-40B4-BE49-F238E27FC236}">
-                <a16:creationId xmlns:a16="http://schemas.microsoft.com/office/drawing/2014/main" id="{B3AA6AE3-DE68-4697-85A2-DD3A9C289C61}"/>
-              </a:ext>
-            </a:extLst>
-          </p:cNvPr>
-          <p:cNvSpPr/>
-          <p:nvPr/>
-        </p:nvSpPr>
-        <p:spPr>
-          <a:xfrm>
-            <a:off x="8133298" y="1741847"/>
-            <a:ext cx="338459" cy="317891"/>
-          </a:xfrm>
-          <a:prstGeom prst="ellipse">
-            <a:avLst/>
-          </a:prstGeom>
-          <a:noFill/>
-          <a:ln w="38100">
-            <a:solidFill>
-              <a:srgbClr val="FF0000"/>
-            </a:solidFill>
-          </a:ln>
-        </p:spPr>
-        <p:style>
-          <a:lnRef idx="2">
-            <a:schemeClr val="accent1">
-              <a:shade val="50000"/>
-            </a:schemeClr>
-          </a:lnRef>
-          <a:fillRef idx="1">
-            <a:schemeClr val="accent1"/>
-          </a:fillRef>
-          <a:effectRef idx="0">
-            <a:schemeClr val="accent1"/>
-          </a:effectRef>
-          <a:fontRef idx="minor">
-            <a:schemeClr val="lt1"/>
-          </a:fontRef>
-        </p:style>
-        <p:txBody>
-          <a:bodyPr rtlCol="0" anchor="ctr"/>
-          <a:lstStyle/>
-          <a:p>
-            <a:pPr algn="ctr"/>
-            <a:endParaRPr kumimoji="1" lang="ja-JP" altLang="en-US">
-              <a:ln>
-                <a:solidFill>
-                  <a:srgbClr val="C00000"/>
-                </a:solidFill>
-              </a:ln>
-              <a:noFill/>
-            </a:endParaRPr>
-          </a:p>
-        </p:txBody>
-      </p:sp>
       <p:cxnSp>
         <p:nvCxnSpPr>
           <p:cNvPr id="13" name="直線コネクタ 12">
@@ -4729,14 +5074,13 @@
           </p:cNvPr>
           <p:cNvCxnSpPr>
             <a:cxnSpLocks/>
-            <a:stCxn id="8" idx="7"/>
           </p:cNvCxnSpPr>
           <p:nvPr/>
         </p:nvCxnSpPr>
         <p:spPr>
           <a:xfrm flipV="1">
-            <a:off x="7970601" y="1117968"/>
-            <a:ext cx="773389" cy="383397"/>
+            <a:off x="7992924" y="1478934"/>
+            <a:ext cx="903583" cy="555506"/>
           </a:xfrm>
           <a:prstGeom prst="line">
             <a:avLst/>
@@ -4762,67 +5106,23 @@
           </a:fontRef>
         </p:style>
       </p:cxnSp>
-      <p:cxnSp>
-        <p:nvCxnSpPr>
-          <p:cNvPr id="17" name="直線コネクタ 16">
-            <a:extLst>
-              <a:ext uri="{FF2B5EF4-FFF2-40B4-BE49-F238E27FC236}">
-                <a16:creationId xmlns:a16="http://schemas.microsoft.com/office/drawing/2014/main" id="{58D9EA61-7E37-4291-B53C-F46E046ADEBE}"/>
-              </a:ext>
-            </a:extLst>
-          </p:cNvPr>
-          <p:cNvCxnSpPr>
-            <a:cxnSpLocks/>
-            <a:stCxn id="9" idx="5"/>
-          </p:cNvCxnSpPr>
+      <p:sp>
+        <p:nvSpPr>
+          <p:cNvPr id="40" name="Oval 12">
+            <a:extLst>
+              <a:ext uri="{FF2B5EF4-FFF2-40B4-BE49-F238E27FC236}">
+                <a16:creationId xmlns:a16="http://schemas.microsoft.com/office/drawing/2014/main" id="{484D03C2-3744-4C8A-9993-BE4067820F3D}"/>
+              </a:ext>
+            </a:extLst>
+          </p:cNvPr>
+          <p:cNvSpPr>
+            <a:spLocks noChangeAspect="1" noChangeArrowheads="1"/>
+          </p:cNvSpPr>
           <p:nvPr/>
-        </p:nvCxnSpPr>
-        <p:spPr>
-          <a:xfrm>
-            <a:off x="8422191" y="2013184"/>
-            <a:ext cx="455613" cy="558908"/>
-          </a:xfrm>
-          <a:prstGeom prst="line">
-            <a:avLst/>
-          </a:prstGeom>
-          <a:ln w="38100">
-            <a:solidFill>
-              <a:srgbClr val="FF0000"/>
-            </a:solidFill>
-          </a:ln>
-        </p:spPr>
-        <p:style>
-          <a:lnRef idx="1">
-            <a:schemeClr val="accent1"/>
-          </a:lnRef>
-          <a:fillRef idx="0">
-            <a:schemeClr val="accent1"/>
-          </a:fillRef>
-          <a:effectRef idx="0">
-            <a:schemeClr val="accent1"/>
-          </a:effectRef>
-          <a:fontRef idx="minor">
-            <a:schemeClr val="tx1"/>
-          </a:fontRef>
-        </p:style>
-      </p:cxnSp>
-      <p:sp>
-        <p:nvSpPr>
-          <p:cNvPr id="40" name="Oval 12">
-            <a:extLst>
-              <a:ext uri="{FF2B5EF4-FFF2-40B4-BE49-F238E27FC236}">
-                <a16:creationId xmlns:a16="http://schemas.microsoft.com/office/drawing/2014/main" id="{484D03C2-3744-4C8A-9993-BE4067820F3D}"/>
-              </a:ext>
-            </a:extLst>
-          </p:cNvPr>
-          <p:cNvSpPr>
-            <a:spLocks noChangeAspect="1" noChangeArrowheads="1"/>
-          </p:cNvSpPr>
-          <p:nvPr/>
         </p:nvSpPr>
         <p:spPr bwMode="auto">
-          <a:xfrm rot="18989833">
-            <a:off x="6405540" y="1616903"/>
+          <a:xfrm rot="16416690">
+            <a:off x="5459495" y="1266397"/>
             <a:ext cx="1473683" cy="4194099"/>
           </a:xfrm>
           <a:prstGeom prst="ellipse">
@@ -4890,8 +5190,8 @@
         </p:nvSpPr>
         <p:spPr bwMode="auto">
           <a:xfrm>
-            <a:off x="8743990" y="901006"/>
-            <a:ext cx="2441289" cy="461665"/>
+            <a:off x="8415971" y="1063435"/>
+            <a:ext cx="4211458" cy="830997"/>
           </a:xfrm>
           <a:prstGeom prst="rect">
             <a:avLst/>
@@ -4935,7 +5235,7 @@
           <a:p>
             <a:pPr algn="ctr"/>
             <a:r>
-              <a:rPr lang="ja-JP" altLang="en-US" sz="2400" dirty="0">
+              <a:rPr lang="ja-JP" altLang="en-US" sz="2400">
                 <a:solidFill>
                   <a:schemeClr val="tx1">
                     <a:lumMod val="65000"/>
@@ -4945,73 +5245,23 @@
                 <a:latin typeface="+mn-lt"/>
                 <a:ea typeface="+mn-ea"/>
               </a:rPr>
-              <a:t>開始指示ボタン</a:t>
-            </a:r>
-          </a:p>
-        </p:txBody>
-      </p:sp>
-      <p:sp>
-        <p:nvSpPr>
-          <p:cNvPr id="42" name="Text Box 11">
-            <a:extLst>
-              <a:ext uri="{FF2B5EF4-FFF2-40B4-BE49-F238E27FC236}">
-                <a16:creationId xmlns:a16="http://schemas.microsoft.com/office/drawing/2014/main" id="{5770DB90-A58E-4027-959A-0C59FA812FFF}"/>
-              </a:ext>
-            </a:extLst>
-          </p:cNvPr>
-          <p:cNvSpPr txBox="1">
-            <a:spLocks noChangeArrowheads="1"/>
-          </p:cNvSpPr>
-          <p:nvPr/>
-        </p:nvSpPr>
-        <p:spPr bwMode="auto">
-          <a:xfrm>
-            <a:off x="8815222" y="2275001"/>
-            <a:ext cx="2441289" cy="461665"/>
-          </a:xfrm>
-          <a:prstGeom prst="rect">
-            <a:avLst/>
-          </a:prstGeom>
-          <a:solidFill>
-            <a:schemeClr val="bg1">
-              <a:lumMod val="95000"/>
-            </a:schemeClr>
-          </a:solidFill>
-          <a:ln>
-            <a:noFill/>
-          </a:ln>
-          <a:effectLst/>
-          <a:extLst>
-            <a:ext uri="{91240B29-F687-4F45-9708-019B960494DF}">
-              <a14:hiddenLine xmlns:a14="http://schemas.microsoft.com/office/drawing/2010/main" w="9525">
-                <a:solidFill>
-                  <a:schemeClr val="tx1"/>
-                </a:solidFill>
-                <a:miter lim="800000"/>
-                <a:headEnd/>
-                <a:tailEnd/>
-              </a14:hiddenLine>
-            </a:ext>
-            <a:ext uri="{AF507438-7753-43E0-B8FC-AC1667EBCBE1}">
-              <a14:hiddenEffects xmlns:a14="http://schemas.microsoft.com/office/drawing/2010/main">
-                <a:effectLst>
-                  <a:outerShdw dist="35921" dir="2700000" algn="ctr" rotWithShape="0">
-                    <a:schemeClr val="bg2"/>
-                  </a:outerShdw>
-                </a:effectLst>
-              </a14:hiddenEffects>
-            </a:ext>
-          </a:extLst>
-        </p:spPr>
-        <p:txBody>
-          <a:bodyPr wrap="square">
-            <a:spAutoFit/>
-          </a:bodyPr>
-          <a:lstStyle/>
+              <a:t>パトロール用シート</a:t>
+            </a:r>
+            <a:endParaRPr lang="en-US" altLang="ja-JP" sz="2400" dirty="0">
+              <a:solidFill>
+                <a:schemeClr val="tx1">
+                  <a:lumMod val="65000"/>
+                  <a:lumOff val="35000"/>
+                </a:schemeClr>
+              </a:solidFill>
+              <a:latin typeface="+mn-lt"/>
+              <a:ea typeface="+mn-ea"/>
+            </a:endParaRPr>
+          </a:p>
           <a:p>
             <a:pPr algn="ctr"/>
             <a:r>
-              <a:rPr lang="ja-JP" altLang="en-US" sz="2400" dirty="0">
+              <a:rPr lang="ja-JP" altLang="en-US" sz="2400">
                 <a:solidFill>
                   <a:schemeClr val="tx1">
                     <a:lumMod val="65000"/>
@@ -5019,21 +5269,18 @@
                   </a:schemeClr>
                 </a:solidFill>
               </a:rPr>
-              <a:t>停止</a:t>
-            </a:r>
-            <a:r>
-              <a:rPr lang="ja-JP" altLang="en-US" sz="2400" dirty="0">
-                <a:solidFill>
-                  <a:schemeClr val="tx1">
-                    <a:lumMod val="65000"/>
-                    <a:lumOff val="35000"/>
-                  </a:schemeClr>
-                </a:solidFill>
-                <a:latin typeface="+mn-lt"/>
-                <a:ea typeface="+mn-ea"/>
-              </a:rPr>
-              <a:t>指示ボタン</a:t>
-            </a:r>
+              <a:t>（タッチセンサーを使用）</a:t>
+            </a:r>
+            <a:endParaRPr lang="ja-JP" altLang="en-US" sz="2400" dirty="0">
+              <a:solidFill>
+                <a:schemeClr val="tx1">
+                  <a:lumMod val="65000"/>
+                  <a:lumOff val="35000"/>
+                </a:schemeClr>
+              </a:solidFill>
+              <a:latin typeface="+mn-lt"/>
+              <a:ea typeface="+mn-ea"/>
+            </a:endParaRPr>
           </a:p>
         </p:txBody>
       </p:sp>
@@ -5343,4 +5590,299 @@
     </a:ext>
   </a:extLst>
 </a:theme>
+</file>
+
+<file path=ppt/theme/theme2.xml><?xml version="1.0" encoding="utf-8"?>
+<a:theme xmlns:a="http://schemas.openxmlformats.org/drawingml/2006/main" name="Office テーマ">
+  <a:themeElements>
+    <a:clrScheme name="Office">
+      <a:dk1>
+        <a:sysClr val="windowText" lastClr="000000"/>
+      </a:dk1>
+      <a:lt1>
+        <a:sysClr val="window" lastClr="FFFFFF"/>
+      </a:lt1>
+      <a:dk2>
+        <a:srgbClr val="44546A"/>
+      </a:dk2>
+      <a:lt2>
+        <a:srgbClr val="E7E6E6"/>
+      </a:lt2>
+      <a:accent1>
+        <a:srgbClr val="4472C4"/>
+      </a:accent1>
+      <a:accent2>
+        <a:srgbClr val="ED7D31"/>
+      </a:accent2>
+      <a:accent3>
+        <a:srgbClr val="A5A5A5"/>
+      </a:accent3>
+      <a:accent4>
+        <a:srgbClr val="FFC000"/>
+      </a:accent4>
+      <a:accent5>
+        <a:srgbClr val="5B9BD5"/>
+      </a:accent5>
+      <a:accent6>
+        <a:srgbClr val="70AD47"/>
+      </a:accent6>
+      <a:hlink>
+        <a:srgbClr val="0563C1"/>
+      </a:hlink>
+      <a:folHlink>
+        <a:srgbClr val="954F72"/>
+      </a:folHlink>
+    </a:clrScheme>
+    <a:fontScheme name="Office">
+      <a:majorFont>
+        <a:latin typeface="游ゴシック Light" panose="020F0302020204030204"/>
+        <a:ea typeface=""/>
+        <a:cs typeface=""/>
+        <a:font script="Jpan" typeface="游ゴシック Light"/>
+        <a:font script="Hang" typeface="맑은 고딕"/>
+        <a:font script="Hans" typeface="等线 Light"/>
+        <a:font script="Hant" typeface="新細明體"/>
+        <a:font script="Arab" typeface="Times New Roman"/>
+        <a:font script="Hebr" typeface="Times New Roman"/>
+        <a:font script="Thai" typeface="Angsana New"/>
+        <a:font script="Ethi" typeface="Nyala"/>
+        <a:font script="Beng" typeface="Vrinda"/>
+        <a:font script="Gujr" typeface="Shruti"/>
+        <a:font script="Khmr" typeface="MoolBoran"/>
+        <a:font script="Knda" typeface="Tunga"/>
+        <a:font script="Guru" typeface="Raavi"/>
+        <a:font script="Cans" typeface="Euphemia"/>
+        <a:font script="Cher" typeface="Plantagenet Cherokee"/>
+        <a:font script="Yiii" typeface="Microsoft Yi Baiti"/>
+        <a:font script="Tibt" typeface="Microsoft Himalaya"/>
+        <a:font script="Thaa" typeface="MV Boli"/>
+        <a:font script="Deva" typeface="Mangal"/>
+        <a:font script="Telu" typeface="Gautami"/>
+        <a:font script="Taml" typeface="Latha"/>
+        <a:font script="Syrc" typeface="Estrangelo Edessa"/>
+        <a:font script="Orya" typeface="Kalinga"/>
+        <a:font script="Mlym" typeface="Kartika"/>
+        <a:font script="Laoo" typeface="DokChampa"/>
+        <a:font script="Sinh" typeface="Iskoola Pota"/>
+        <a:font script="Mong" typeface="Mongolian Baiti"/>
+        <a:font script="Viet" typeface="Times New Roman"/>
+        <a:font script="Uigh" typeface="Microsoft Uighur"/>
+        <a:font script="Geor" typeface="Sylfaen"/>
+        <a:font script="Armn" typeface="Arial"/>
+        <a:font script="Bugi" typeface="Leelawadee UI"/>
+        <a:font script="Bopo" typeface="Microsoft JhengHei"/>
+        <a:font script="Java" typeface="Javanese Text"/>
+        <a:font script="Lisu" typeface="Segoe UI"/>
+        <a:font script="Mymr" typeface="Myanmar Text"/>
+        <a:font script="Nkoo" typeface="Ebrima"/>
+        <a:font script="Olck" typeface="Nirmala UI"/>
+        <a:font script="Osma" typeface="Ebrima"/>
+        <a:font script="Phag" typeface="Phagspa"/>
+        <a:font script="Syrn" typeface="Estrangelo Edessa"/>
+        <a:font script="Syrj" typeface="Estrangelo Edessa"/>
+        <a:font script="Syre" typeface="Estrangelo Edessa"/>
+        <a:font script="Sora" typeface="Nirmala UI"/>
+        <a:font script="Tale" typeface="Microsoft Tai Le"/>
+        <a:font script="Talu" typeface="Microsoft New Tai Lue"/>
+        <a:font script="Tfng" typeface="Ebrima"/>
+      </a:majorFont>
+      <a:minorFont>
+        <a:latin typeface="游ゴシック" panose="020F0502020204030204"/>
+        <a:ea typeface=""/>
+        <a:cs typeface=""/>
+        <a:font script="Jpan" typeface="游ゴシック"/>
+        <a:font script="Hang" typeface="맑은 고딕"/>
+        <a:font script="Hans" typeface="等线"/>
+        <a:font script="Hant" typeface="新細明體"/>
+        <a:font script="Arab" typeface="Arial"/>
+        <a:font script="Hebr" typeface="Arial"/>
+        <a:font script="Thai" typeface="Cordia New"/>
+        <a:font script="Ethi" typeface="Nyala"/>
+        <a:font script="Beng" typeface="Vrinda"/>
+        <a:font script="Gujr" typeface="Shruti"/>
+        <a:font script="Khmr" typeface="DaunPenh"/>
+        <a:font script="Knda" typeface="Tunga"/>
+        <a:font script="Guru" typeface="Raavi"/>
+        <a:font script="Cans" typeface="Euphemia"/>
+        <a:font script="Cher" typeface="Plantagenet Cherokee"/>
+        <a:font script="Yiii" typeface="Microsoft Yi Baiti"/>
+        <a:font script="Tibt" typeface="Microsoft Himalaya"/>
+        <a:font script="Thaa" typeface="MV Boli"/>
+        <a:font script="Deva" typeface="Mangal"/>
+        <a:font script="Telu" typeface="Gautami"/>
+        <a:font script="Taml" typeface="Latha"/>
+        <a:font script="Syrc" typeface="Estrangelo Edessa"/>
+        <a:font script="Orya" typeface="Kalinga"/>
+        <a:font script="Mlym" typeface="Kartika"/>
+        <a:font script="Laoo" typeface="DokChampa"/>
+        <a:font script="Sinh" typeface="Iskoola Pota"/>
+        <a:font script="Mong" typeface="Mongolian Baiti"/>
+        <a:font script="Viet" typeface="Arial"/>
+        <a:font script="Uigh" typeface="Microsoft Uighur"/>
+        <a:font script="Geor" typeface="Sylfaen"/>
+        <a:font script="Armn" typeface="Arial"/>
+        <a:font script="Bugi" typeface="Leelawadee UI"/>
+        <a:font script="Bopo" typeface="Microsoft JhengHei"/>
+        <a:font script="Java" typeface="Javanese Text"/>
+        <a:font script="Lisu" typeface="Segoe UI"/>
+        <a:font script="Mymr" typeface="Myanmar Text"/>
+        <a:font script="Nkoo" typeface="Ebrima"/>
+        <a:font script="Olck" typeface="Nirmala UI"/>
+        <a:font script="Osma" typeface="Ebrima"/>
+        <a:font script="Phag" typeface="Phagspa"/>
+        <a:font script="Syrn" typeface="Estrangelo Edessa"/>
+        <a:font script="Syrj" typeface="Estrangelo Edessa"/>
+        <a:font script="Syre" typeface="Estrangelo Edessa"/>
+        <a:font script="Sora" typeface="Nirmala UI"/>
+        <a:font script="Tale" typeface="Microsoft Tai Le"/>
+        <a:font script="Talu" typeface="Microsoft New Tai Lue"/>
+        <a:font script="Tfng" typeface="Ebrima"/>
+      </a:minorFont>
+    </a:fontScheme>
+    <a:fmtScheme name="Office">
+      <a:fillStyleLst>
+        <a:solidFill>
+          <a:schemeClr val="phClr"/>
+        </a:solidFill>
+        <a:gradFill rotWithShape="1">
+          <a:gsLst>
+            <a:gs pos="0">
+              <a:schemeClr val="phClr">
+                <a:lumMod val="110000"/>
+                <a:satMod val="105000"/>
+                <a:tint val="67000"/>
+              </a:schemeClr>
+            </a:gs>
+            <a:gs pos="50000">
+              <a:schemeClr val="phClr">
+                <a:lumMod val="105000"/>
+                <a:satMod val="103000"/>
+                <a:tint val="73000"/>
+              </a:schemeClr>
+            </a:gs>
+            <a:gs pos="100000">
+              <a:schemeClr val="phClr">
+                <a:lumMod val="105000"/>
+                <a:satMod val="109000"/>
+                <a:tint val="81000"/>
+              </a:schemeClr>
+            </a:gs>
+          </a:gsLst>
+          <a:lin ang="5400000" scaled="0"/>
+        </a:gradFill>
+        <a:gradFill rotWithShape="1">
+          <a:gsLst>
+            <a:gs pos="0">
+              <a:schemeClr val="phClr">
+                <a:satMod val="103000"/>
+                <a:lumMod val="102000"/>
+                <a:tint val="94000"/>
+              </a:schemeClr>
+            </a:gs>
+            <a:gs pos="50000">
+              <a:schemeClr val="phClr">
+                <a:satMod val="110000"/>
+                <a:lumMod val="100000"/>
+                <a:shade val="100000"/>
+              </a:schemeClr>
+            </a:gs>
+            <a:gs pos="100000">
+              <a:schemeClr val="phClr">
+                <a:lumMod val="99000"/>
+                <a:satMod val="120000"/>
+                <a:shade val="78000"/>
+              </a:schemeClr>
+            </a:gs>
+          </a:gsLst>
+          <a:lin ang="5400000" scaled="0"/>
+        </a:gradFill>
+      </a:fillStyleLst>
+      <a:lnStyleLst>
+        <a:ln w="6350" cap="flat" cmpd="sng" algn="ctr">
+          <a:solidFill>
+            <a:schemeClr val="phClr"/>
+          </a:solidFill>
+          <a:prstDash val="solid"/>
+          <a:miter lim="800000"/>
+        </a:ln>
+        <a:ln w="12700" cap="flat" cmpd="sng" algn="ctr">
+          <a:solidFill>
+            <a:schemeClr val="phClr"/>
+          </a:solidFill>
+          <a:prstDash val="solid"/>
+          <a:miter lim="800000"/>
+        </a:ln>
+        <a:ln w="19050" cap="flat" cmpd="sng" algn="ctr">
+          <a:solidFill>
+            <a:schemeClr val="phClr"/>
+          </a:solidFill>
+          <a:prstDash val="solid"/>
+          <a:miter lim="800000"/>
+        </a:ln>
+      </a:lnStyleLst>
+      <a:effectStyleLst>
+        <a:effectStyle>
+          <a:effectLst/>
+        </a:effectStyle>
+        <a:effectStyle>
+          <a:effectLst/>
+        </a:effectStyle>
+        <a:effectStyle>
+          <a:effectLst>
+            <a:outerShdw blurRad="57150" dist="19050" dir="5400000" algn="ctr" rotWithShape="0">
+              <a:srgbClr val="000000">
+                <a:alpha val="63000"/>
+              </a:srgbClr>
+            </a:outerShdw>
+          </a:effectLst>
+        </a:effectStyle>
+      </a:effectStyleLst>
+      <a:bgFillStyleLst>
+        <a:solidFill>
+          <a:schemeClr val="phClr"/>
+        </a:solidFill>
+        <a:solidFill>
+          <a:schemeClr val="phClr">
+            <a:tint val="95000"/>
+            <a:satMod val="170000"/>
+          </a:schemeClr>
+        </a:solidFill>
+        <a:gradFill rotWithShape="1">
+          <a:gsLst>
+            <a:gs pos="0">
+              <a:schemeClr val="phClr">
+                <a:tint val="93000"/>
+                <a:satMod val="150000"/>
+                <a:shade val="98000"/>
+                <a:lumMod val="102000"/>
+              </a:schemeClr>
+            </a:gs>
+            <a:gs pos="50000">
+              <a:schemeClr val="phClr">
+                <a:tint val="98000"/>
+                <a:satMod val="130000"/>
+                <a:shade val="90000"/>
+                <a:lumMod val="103000"/>
+              </a:schemeClr>
+            </a:gs>
+            <a:gs pos="100000">
+              <a:schemeClr val="phClr">
+                <a:shade val="63000"/>
+                <a:satMod val="120000"/>
+              </a:schemeClr>
+            </a:gs>
+          </a:gsLst>
+          <a:lin ang="5400000" scaled="0"/>
+        </a:gradFill>
+      </a:bgFillStyleLst>
+    </a:fmtScheme>
+  </a:themeElements>
+  <a:objectDefaults/>
+  <a:extraClrSchemeLst/>
+  <a:extLst>
+    <a:ext uri="{05A4C25C-085E-4340-85A3-A5531E510DB2}">
+      <thm15:themeFamily xmlns:thm15="http://schemas.microsoft.com/office/thememl/2012/main" name="Office Theme" id="{62F939B6-93AF-4DB8-9C6B-D6C7DFDC589F}" vid="{4A3C46E8-61CC-4603-A589-7422A47A8E4A}"/>
+    </a:ext>
+  </a:extLst>
+</a:theme>
 </file>